--- a/Clase 24- Amenazas/Alumnos/Acosta_Leandro/Actividad Tipos de amenazas_Acosta_Leandro.pptx
+++ b/Clase 24- Amenazas/Alumnos/Acosta_Leandro/Actividad Tipos de amenazas_Acosta_Leandro.pptx
@@ -7605,7 +7605,7 @@
                 <a:cs typeface="Open Sans"/>
                 <a:sym typeface="Open Sans"/>
               </a:rPr>
-              <a:t>Pagar el rescate o bien, formatear todos los discos y volver a puntos de restauración o backup que se hayan realizado.</a:t>
+              <a:t>Pagar el rescate o bien, formatear todos los discos y volver a puntos de restauración o backup que se hayan realizado. Capacitar a todas las personas de la empresa para evitar ingresar en esos links</a:t>
             </a:r>
             <a:endParaRPr dirty="0"/>
           </a:p>
